--- a/Cours/03_SéquencePédagogique.pptx
+++ b/Cours/03_SéquencePédagogique.pptx
@@ -216,7 +216,7 @@
           <a:p>
             <a:fld id="{0198A5FA-8F0A-4416-A5C2-E78A06059D0C}" type="datetimeFigureOut">
               <a:rPr lang="fr-FR" smtClean="0"/>
-              <a:t>26/09/2021</a:t>
+              <a:t>30/01/2023</a:t>
             </a:fld>
             <a:endParaRPr lang="fr-FR"/>
           </a:p>
@@ -714,7 +714,7 @@
             <a:fld id="{083690E8-6EB9-4D50-99B0-6570114ECF94}" type="datetime1">
               <a:rPr lang="fr-FR" smtClean="0"/>
               <a:pPr/>
-              <a:t>26/09/2021</a:t>
+              <a:t>30/01/2023</a:t>
             </a:fld>
             <a:endParaRPr lang="fr-FR"/>
           </a:p>
@@ -963,7 +963,7 @@
           <a:p>
             <a:fld id="{50AE660E-0E73-4EA5-9DC7-2419A03FA610}" type="datetime1">
               <a:rPr lang="fr-FR" smtClean="0"/>
-              <a:t>26/09/2021</a:t>
+              <a:t>30/01/2023</a:t>
             </a:fld>
             <a:endParaRPr lang="fr-FR"/>
           </a:p>
@@ -1222,7 +1222,7 @@
           <a:p>
             <a:fld id="{209EEC30-7159-48BD-919E-B88BF5B4871D}" type="datetime1">
               <a:rPr lang="fr-FR" smtClean="0"/>
-              <a:t>26/09/2021</a:t>
+              <a:t>30/01/2023</a:t>
             </a:fld>
             <a:endParaRPr lang="fr-FR"/>
           </a:p>
@@ -1424,7 +1424,7 @@
           <a:p>
             <a:fld id="{8F29FABF-E80A-495C-9336-B7587141AD88}" type="datetime1">
               <a:rPr lang="fr-FR" smtClean="0"/>
-              <a:t>26/09/2021</a:t>
+              <a:t>30/01/2023</a:t>
             </a:fld>
             <a:endParaRPr lang="fr-FR"/>
           </a:p>
@@ -1770,7 +1770,7 @@
           <a:p>
             <a:fld id="{AFB32791-F8EC-4A6B-8875-0772A0F6D4E8}" type="datetime1">
               <a:rPr lang="fr-FR" smtClean="0"/>
-              <a:t>26/09/2021</a:t>
+              <a:t>30/01/2023</a:t>
             </a:fld>
             <a:endParaRPr lang="fr-FR"/>
           </a:p>
@@ -2098,7 +2098,7 @@
           <a:p>
             <a:fld id="{6F6E662D-883D-4916-A9C6-9B8A15764FA4}" type="datetime1">
               <a:rPr lang="fr-FR" smtClean="0"/>
-              <a:t>26/09/2021</a:t>
+              <a:t>30/01/2023</a:t>
             </a:fld>
             <a:endParaRPr lang="fr-FR"/>
           </a:p>
@@ -2530,7 +2530,7 @@
           <a:p>
             <a:fld id="{8CC6729C-8CF9-4A35-BF91-254AFE4A0BFF}" type="datetime1">
               <a:rPr lang="fr-FR" smtClean="0"/>
-              <a:t>26/09/2021</a:t>
+              <a:t>30/01/2023</a:t>
             </a:fld>
             <a:endParaRPr lang="fr-FR"/>
           </a:p>
@@ -2651,7 +2651,7 @@
           <a:p>
             <a:fld id="{7C64ED20-4FDF-4984-8839-93AD0C0F3999}" type="datetime1">
               <a:rPr lang="fr-FR" smtClean="0"/>
-              <a:t>26/09/2021</a:t>
+              <a:t>30/01/2023</a:t>
             </a:fld>
             <a:endParaRPr lang="fr-FR"/>
           </a:p>
@@ -2825,7 +2825,7 @@
           <a:p>
             <a:fld id="{975177CB-274D-4F54-B777-893CB4D9A54D}" type="datetime1">
               <a:rPr lang="fr-FR" smtClean="0"/>
-              <a:t>26/09/2021</a:t>
+              <a:t>30/01/2023</a:t>
             </a:fld>
             <a:endParaRPr lang="fr-FR"/>
           </a:p>
@@ -3182,7 +3182,7 @@
           <a:p>
             <a:fld id="{519BD2F3-EBBD-4C08-A019-2D876658B899}" type="datetime1">
               <a:rPr lang="fr-FR" smtClean="0"/>
-              <a:t>26/09/2021</a:t>
+              <a:t>30/01/2023</a:t>
             </a:fld>
             <a:endParaRPr lang="fr-FR"/>
           </a:p>
@@ -3567,7 +3567,7 @@
           <a:p>
             <a:fld id="{F4C6F08E-408B-402B-8B70-8D56FF60FA51}" type="datetime1">
               <a:rPr lang="fr-FR" smtClean="0"/>
-              <a:t>26/09/2021</a:t>
+              <a:t>30/01/2023</a:t>
             </a:fld>
             <a:endParaRPr lang="fr-FR"/>
           </a:p>
@@ -3712,9 +3712,7 @@
             <a:srgbClr val="62553E"/>
           </a:solidFill>
           <a:ln>
-            <a:solidFill>
-              <a:schemeClr val="accent1"/>
-            </a:solidFill>
+            <a:noFill/>
           </a:ln>
         </p:spPr>
         <p:style>
@@ -3862,7 +3860,7 @@
           <a:p>
             <a:fld id="{3D0DD409-5CB6-45A1-9126-76FD1E26B274}" type="datetime1">
               <a:rPr lang="fr-FR" smtClean="0"/>
-              <a:t>26/09/2021</a:t>
+              <a:t>30/01/2023</a:t>
             </a:fld>
             <a:endParaRPr lang="fr-FR" dirty="0"/>
           </a:p>

--- a/Cours/03_SéquencePédagogique.pptx
+++ b/Cours/03_SéquencePédagogique.pptx
@@ -216,7 +216,7 @@
           <a:p>
             <a:fld id="{0198A5FA-8F0A-4416-A5C2-E78A06059D0C}" type="datetimeFigureOut">
               <a:rPr lang="fr-FR" smtClean="0"/>
-              <a:t>30/01/2023</a:t>
+              <a:t>20/03/2023</a:t>
             </a:fld>
             <a:endParaRPr lang="fr-FR"/>
           </a:p>
@@ -714,7 +714,7 @@
             <a:fld id="{083690E8-6EB9-4D50-99B0-6570114ECF94}" type="datetime1">
               <a:rPr lang="fr-FR" smtClean="0"/>
               <a:pPr/>
-              <a:t>30/01/2023</a:t>
+              <a:t>20/03/2023</a:t>
             </a:fld>
             <a:endParaRPr lang="fr-FR"/>
           </a:p>
@@ -963,7 +963,7 @@
           <a:p>
             <a:fld id="{50AE660E-0E73-4EA5-9DC7-2419A03FA610}" type="datetime1">
               <a:rPr lang="fr-FR" smtClean="0"/>
-              <a:t>30/01/2023</a:t>
+              <a:t>20/03/2023</a:t>
             </a:fld>
             <a:endParaRPr lang="fr-FR"/>
           </a:p>
@@ -1222,7 +1222,7 @@
           <a:p>
             <a:fld id="{209EEC30-7159-48BD-919E-B88BF5B4871D}" type="datetime1">
               <a:rPr lang="fr-FR" smtClean="0"/>
-              <a:t>30/01/2023</a:t>
+              <a:t>20/03/2023</a:t>
             </a:fld>
             <a:endParaRPr lang="fr-FR"/>
           </a:p>
@@ -1424,7 +1424,7 @@
           <a:p>
             <a:fld id="{8F29FABF-E80A-495C-9336-B7587141AD88}" type="datetime1">
               <a:rPr lang="fr-FR" smtClean="0"/>
-              <a:t>30/01/2023</a:t>
+              <a:t>20/03/2023</a:t>
             </a:fld>
             <a:endParaRPr lang="fr-FR"/>
           </a:p>
@@ -1770,7 +1770,7 @@
           <a:p>
             <a:fld id="{AFB32791-F8EC-4A6B-8875-0772A0F6D4E8}" type="datetime1">
               <a:rPr lang="fr-FR" smtClean="0"/>
-              <a:t>30/01/2023</a:t>
+              <a:t>20/03/2023</a:t>
             </a:fld>
             <a:endParaRPr lang="fr-FR"/>
           </a:p>
@@ -2098,7 +2098,7 @@
           <a:p>
             <a:fld id="{6F6E662D-883D-4916-A9C6-9B8A15764FA4}" type="datetime1">
               <a:rPr lang="fr-FR" smtClean="0"/>
-              <a:t>30/01/2023</a:t>
+              <a:t>20/03/2023</a:t>
             </a:fld>
             <a:endParaRPr lang="fr-FR"/>
           </a:p>
@@ -2530,7 +2530,7 @@
           <a:p>
             <a:fld id="{8CC6729C-8CF9-4A35-BF91-254AFE4A0BFF}" type="datetime1">
               <a:rPr lang="fr-FR" smtClean="0"/>
-              <a:t>30/01/2023</a:t>
+              <a:t>20/03/2023</a:t>
             </a:fld>
             <a:endParaRPr lang="fr-FR"/>
           </a:p>
@@ -2651,7 +2651,7 @@
           <a:p>
             <a:fld id="{7C64ED20-4FDF-4984-8839-93AD0C0F3999}" type="datetime1">
               <a:rPr lang="fr-FR" smtClean="0"/>
-              <a:t>30/01/2023</a:t>
+              <a:t>20/03/2023</a:t>
             </a:fld>
             <a:endParaRPr lang="fr-FR"/>
           </a:p>
@@ -2825,7 +2825,7 @@
           <a:p>
             <a:fld id="{975177CB-274D-4F54-B777-893CB4D9A54D}" type="datetime1">
               <a:rPr lang="fr-FR" smtClean="0"/>
-              <a:t>30/01/2023</a:t>
+              <a:t>20/03/2023</a:t>
             </a:fld>
             <a:endParaRPr lang="fr-FR"/>
           </a:p>
@@ -3182,7 +3182,7 @@
           <a:p>
             <a:fld id="{519BD2F3-EBBD-4C08-A019-2D876658B899}" type="datetime1">
               <a:rPr lang="fr-FR" smtClean="0"/>
-              <a:t>30/01/2023</a:t>
+              <a:t>20/03/2023</a:t>
             </a:fld>
             <a:endParaRPr lang="fr-FR"/>
           </a:p>
@@ -3567,7 +3567,7 @@
           <a:p>
             <a:fld id="{F4C6F08E-408B-402B-8B70-8D56FF60FA51}" type="datetime1">
               <a:rPr lang="fr-FR" smtClean="0"/>
-              <a:t>30/01/2023</a:t>
+              <a:t>20/03/2023</a:t>
             </a:fld>
             <a:endParaRPr lang="fr-FR"/>
           </a:p>
@@ -3860,7 +3860,7 @@
           <a:p>
             <a:fld id="{3D0DD409-5CB6-45A1-9126-76FD1E26B274}" type="datetime1">
               <a:rPr lang="fr-FR" smtClean="0"/>
-              <a:t>30/01/2023</a:t>
+              <a:t>20/03/2023</a:t>
             </a:fld>
             <a:endParaRPr lang="fr-FR" dirty="0"/>
           </a:p>
@@ -4353,6 +4353,22 @@
       </a:lvl9pPr>
     </p:otherStyle>
   </p:txStyles>
+  <p:extLst>
+    <p:ext uri="{27BBF7A9-308A-43DC-89C8-2F10F3537804}">
+      <p15:sldGuideLst xmlns:p15="http://schemas.microsoft.com/office/powerpoint/2012/main">
+        <p15:guide id="1" orient="horz" pos="2160" userDrawn="1">
+          <p15:clr>
+            <a:srgbClr val="F26B43"/>
+          </p15:clr>
+        </p15:guide>
+        <p15:guide id="2" pos="3840" userDrawn="1">
+          <p15:clr>
+            <a:srgbClr val="F26B43"/>
+          </p15:clr>
+        </p15:guide>
+      </p15:sldGuideLst>
+    </p:ext>
+  </p:extLst>
 </p:sldMaster>
 </file>
 
